--- a/lectures/linalg-review.pptx
+++ b/lectures/linalg-review.pptx
@@ -24,6 +24,7 @@
     <p:sldId id="259" r:id="rId17"/>
     <p:sldId id="260" r:id="rId18"/>
     <p:sldId id="261" r:id="rId19"/>
+    <p:sldId id="262" r:id="rId20"/>
   </p:sldIdLst>
   <p:sldSz cx="9144000" cy="6858000"/>
   <p:notesSz cx="7772400" cy="10058400"/>
@@ -254,7 +255,7 @@
           </a:bodyPr>
           <a:p>
             <a:pPr algn="r"/>
-            <a:fld id="{29417D0F-073D-429B-9948-1C5A94AB0482}" type="slidenum">
+            <a:fld id="{F2130110-6F09-4A50-8F7B-D59D69B0AEB6}" type="slidenum">
               <a:rPr b="0" lang="en-US" sz="1400" spc="-1" strike="noStrike">
                 <a:latin typeface="Times New Roman"/>
               </a:rPr>
@@ -291,7 +292,7 @@
       </p:grpSpPr>
       <p:sp>
         <p:nvSpPr>
-          <p:cNvPr id="490" name="PlaceHolder 1"/>
+          <p:cNvPr id="499" name="PlaceHolder 1"/>
           <p:cNvSpPr>
             <a:spLocks noGrp="1"/>
           </p:cNvSpPr>
@@ -311,7 +312,7 @@
       </p:sp>
       <p:sp>
         <p:nvSpPr>
-          <p:cNvPr id="491" name="PlaceHolder 2"/>
+          <p:cNvPr id="500" name="PlaceHolder 2"/>
           <p:cNvSpPr>
             <a:spLocks noGrp="1"/>
           </p:cNvSpPr>
@@ -369,7 +370,7 @@
       </p:grpSpPr>
       <p:sp>
         <p:nvSpPr>
-          <p:cNvPr id="492" name="PlaceHolder 1"/>
+          <p:cNvPr id="501" name="PlaceHolder 1"/>
           <p:cNvSpPr>
             <a:spLocks noGrp="1"/>
           </p:cNvSpPr>
@@ -389,7 +390,7 @@
       </p:sp>
       <p:sp>
         <p:nvSpPr>
-          <p:cNvPr id="493" name="PlaceHolder 2"/>
+          <p:cNvPr id="502" name="PlaceHolder 2"/>
           <p:cNvSpPr>
             <a:spLocks noGrp="1"/>
           </p:cNvSpPr>
@@ -416,6 +417,84 @@
                 <a:latin typeface="Arial"/>
               </a:rPr>
               <a:t>Well what we actually now know about right whales, is their survival is not consistent across life stages. In fact, their death rate (which influences r!!!) is really variable! So we could now break it up into calfs, immature females, mature females, and mature females WITH newborn calves? Well maybe it’s better to model these stages differently?</a:t>
+            </a:r>
+            <a:endParaRPr b="0" lang="en-US" sz="2000" spc="-1" strike="noStrike">
+              <a:latin typeface="Arial"/>
+            </a:endParaRPr>
+          </a:p>
+        </p:txBody>
+      </p:sp>
+    </p:spTree>
+  </p:cSld>
+</p:notes>
+</file>
+
+<file path=ppt/notesSlides/notesSlide7.xml><?xml version="1.0" encoding="utf-8"?>
+<p:notes xmlns:a="http://schemas.openxmlformats.org/drawingml/2006/main" xmlns:p="http://schemas.openxmlformats.org/presentationml/2006/main" xmlns:r="http://schemas.openxmlformats.org/officeDocument/2006/relationships" xmlns:p14="http://schemas.microsoft.com/office/powerpoint/2010/main" xmlns:p15="http://schemas.microsoft.com/office/powerpoint/2012/main" xmlns:mc="http://schemas.openxmlformats.org/markup-compatibility/2006">
+  <p:cSld>
+    <p:spTree>
+      <p:nvGrpSpPr>
+        <p:cNvPr id="1" name=""/>
+        <p:cNvGrpSpPr/>
+        <p:nvPr/>
+      </p:nvGrpSpPr>
+      <p:grpSpPr>
+        <a:xfrm>
+          <a:off x="0" y="0"/>
+          <a:ext cx="0" cy="0"/>
+          <a:chOff x="0" y="0"/>
+          <a:chExt cx="0" cy="0"/>
+        </a:xfrm>
+      </p:grpSpPr>
+      <p:sp>
+        <p:nvSpPr>
+          <p:cNvPr id="503" name="PlaceHolder 1"/>
+          <p:cNvSpPr>
+            <a:spLocks noGrp="1"/>
+          </p:cNvSpPr>
+          <p:nvPr>
+            <p:ph type="sldImg"/>
+          </p:nvPr>
+        </p:nvSpPr>
+        <p:spPr>
+          <a:xfrm>
+            <a:off x="533520" y="764280"/>
+            <a:ext cx="6704640" cy="3771360"/>
+          </a:xfrm>
+          <a:prstGeom prst="rect">
+            <a:avLst/>
+          </a:prstGeom>
+        </p:spPr>
+      </p:sp>
+      <p:sp>
+        <p:nvSpPr>
+          <p:cNvPr id="504" name="PlaceHolder 2"/>
+          <p:cNvSpPr>
+            <a:spLocks noGrp="1"/>
+          </p:cNvSpPr>
+          <p:nvPr>
+            <p:ph type="body"/>
+          </p:nvPr>
+        </p:nvSpPr>
+        <p:spPr>
+          <a:xfrm>
+            <a:off x="777240" y="4777560"/>
+            <a:ext cx="6217560" cy="4525920"/>
+          </a:xfrm>
+          <a:prstGeom prst="rect">
+            <a:avLst/>
+          </a:prstGeom>
+        </p:spPr>
+        <p:txBody>
+          <a:bodyPr lIns="0" rIns="0" tIns="0" bIns="0">
+            <a:noAutofit/>
+          </a:bodyPr>
+          <a:p>
+            <a:r>
+              <a:rPr b="0" lang="en-US" sz="2000" spc="-1" strike="noStrike">
+                <a:latin typeface="Arial"/>
+              </a:rPr>
+              <a:t>So you might notice we only mentioned females in the last slide! Well typically in these models and in lots of other models, we only really care about females! They control rate of offspring and therefore we confine our model to those ones. </a:t>
             </a:r>
             <a:endParaRPr b="0" lang="en-US" sz="2000" spc="-1" strike="noStrike">
               <a:latin typeface="Arial"/>
@@ -15615,211 +15694,7 @@
               <a:rPr b="0" lang="en-US" sz="4400" spc="-1" strike="noStrike">
                 <a:latin typeface="Arial"/>
               </a:rPr>
-              <a:t>C</a:t>
-            </a:r>
-            <a:r>
-              <a:rPr b="0" lang="en-US" sz="4400" spc="-1" strike="noStrike">
-                <a:latin typeface="Arial"/>
-              </a:rPr>
-              <a:t>l</a:t>
-            </a:r>
-            <a:r>
-              <a:rPr b="0" lang="en-US" sz="4400" spc="-1" strike="noStrike">
-                <a:latin typeface="Arial"/>
-              </a:rPr>
-              <a:t>i</a:t>
-            </a:r>
-            <a:r>
-              <a:rPr b="0" lang="en-US" sz="4400" spc="-1" strike="noStrike">
-                <a:latin typeface="Arial"/>
-              </a:rPr>
-              <a:t>c</a:t>
-            </a:r>
-            <a:r>
-              <a:rPr b="0" lang="en-US" sz="4400" spc="-1" strike="noStrike">
-                <a:latin typeface="Arial"/>
-              </a:rPr>
-              <a:t>k</a:t>
-            </a:r>
-            <a:r>
-              <a:rPr b="0" lang="en-US" sz="4400" spc="-1" strike="noStrike">
-                <a:latin typeface="Arial"/>
-              </a:rPr>
-              <a:t> </a:t>
-            </a:r>
-            <a:r>
-              <a:rPr b="0" lang="en-US" sz="4400" spc="-1" strike="noStrike">
-                <a:latin typeface="Arial"/>
-              </a:rPr>
-              <a:t>t</a:t>
-            </a:r>
-            <a:r>
-              <a:rPr b="0" lang="en-US" sz="4400" spc="-1" strike="noStrike">
-                <a:latin typeface="Arial"/>
-              </a:rPr>
-              <a:t>o</a:t>
-            </a:r>
-            <a:r>
-              <a:rPr b="0" lang="en-US" sz="4400" spc="-1" strike="noStrike">
-                <a:latin typeface="Arial"/>
-              </a:rPr>
-              <a:t> </a:t>
-            </a:r>
-            <a:r>
-              <a:rPr b="0" lang="en-US" sz="4400" spc="-1" strike="noStrike">
-                <a:latin typeface="Arial"/>
-              </a:rPr>
-              <a:t>e</a:t>
-            </a:r>
-            <a:r>
-              <a:rPr b="0" lang="en-US" sz="4400" spc="-1" strike="noStrike">
-                <a:latin typeface="Arial"/>
-              </a:rPr>
-              <a:t>d</a:t>
-            </a:r>
-            <a:r>
-              <a:rPr b="0" lang="en-US" sz="4400" spc="-1" strike="noStrike">
-                <a:latin typeface="Arial"/>
-              </a:rPr>
-              <a:t>i</a:t>
-            </a:r>
-            <a:r>
-              <a:rPr b="0" lang="en-US" sz="4400" spc="-1" strike="noStrike">
-                <a:latin typeface="Arial"/>
-              </a:rPr>
-              <a:t>t</a:t>
-            </a:r>
-            <a:r>
-              <a:rPr b="0" lang="en-US" sz="4400" spc="-1" strike="noStrike">
-                <a:latin typeface="Arial"/>
-              </a:rPr>
-              <a:t> </a:t>
-            </a:r>
-            <a:r>
-              <a:rPr b="0" lang="en-US" sz="4400" spc="-1" strike="noStrike">
-                <a:latin typeface="Arial"/>
-              </a:rPr>
-              <a:t>t</a:t>
-            </a:r>
-            <a:r>
-              <a:rPr b="0" lang="en-US" sz="4400" spc="-1" strike="noStrike">
-                <a:latin typeface="Arial"/>
-              </a:rPr>
-              <a:t>h</a:t>
-            </a:r>
-            <a:r>
-              <a:rPr b="0" lang="en-US" sz="4400" spc="-1" strike="noStrike">
-                <a:latin typeface="Arial"/>
-              </a:rPr>
-              <a:t>e</a:t>
-            </a:r>
-            <a:r>
-              <a:rPr b="0" lang="en-US" sz="4400" spc="-1" strike="noStrike">
-                <a:latin typeface="Arial"/>
-              </a:rPr>
-              <a:t> </a:t>
-            </a:r>
-            <a:r>
-              <a:rPr b="0" lang="en-US" sz="4400" spc="-1" strike="noStrike">
-                <a:latin typeface="Arial"/>
-              </a:rPr>
-              <a:t>t</a:t>
-            </a:r>
-            <a:r>
-              <a:rPr b="0" lang="en-US" sz="4400" spc="-1" strike="noStrike">
-                <a:latin typeface="Arial"/>
-              </a:rPr>
-              <a:t>i</a:t>
-            </a:r>
-            <a:r>
-              <a:rPr b="0" lang="en-US" sz="4400" spc="-1" strike="noStrike">
-                <a:latin typeface="Arial"/>
-              </a:rPr>
-              <a:t>t</a:t>
-            </a:r>
-            <a:r>
-              <a:rPr b="0" lang="en-US" sz="4400" spc="-1" strike="noStrike">
-                <a:latin typeface="Arial"/>
-              </a:rPr>
-              <a:t>l</a:t>
-            </a:r>
-            <a:r>
-              <a:rPr b="0" lang="en-US" sz="4400" spc="-1" strike="noStrike">
-                <a:latin typeface="Arial"/>
-              </a:rPr>
-              <a:t>e</a:t>
-            </a:r>
-            <a:r>
-              <a:rPr b="0" lang="en-US" sz="4400" spc="-1" strike="noStrike">
-                <a:latin typeface="Arial"/>
-              </a:rPr>
-              <a:t> </a:t>
-            </a:r>
-            <a:r>
-              <a:rPr b="0" lang="en-US" sz="4400" spc="-1" strike="noStrike">
-                <a:latin typeface="Arial"/>
-              </a:rPr>
-              <a:t>t</a:t>
-            </a:r>
-            <a:r>
-              <a:rPr b="0" lang="en-US" sz="4400" spc="-1" strike="noStrike">
-                <a:latin typeface="Arial"/>
-              </a:rPr>
-              <a:t>e</a:t>
-            </a:r>
-            <a:r>
-              <a:rPr b="0" lang="en-US" sz="4400" spc="-1" strike="noStrike">
-                <a:latin typeface="Arial"/>
-              </a:rPr>
-              <a:t>x</a:t>
-            </a:r>
-            <a:r>
-              <a:rPr b="0" lang="en-US" sz="4400" spc="-1" strike="noStrike">
-                <a:latin typeface="Arial"/>
-              </a:rPr>
-              <a:t>t</a:t>
-            </a:r>
-            <a:r>
-              <a:rPr b="0" lang="en-US" sz="4400" spc="-1" strike="noStrike">
-                <a:latin typeface="Arial"/>
-              </a:rPr>
-              <a:t> </a:t>
-            </a:r>
-            <a:r>
-              <a:rPr b="0" lang="en-US" sz="4400" spc="-1" strike="noStrike">
-                <a:latin typeface="Arial"/>
-              </a:rPr>
-              <a:t>f</a:t>
-            </a:r>
-            <a:r>
-              <a:rPr b="0" lang="en-US" sz="4400" spc="-1" strike="noStrike">
-                <a:latin typeface="Arial"/>
-              </a:rPr>
-              <a:t>o</a:t>
-            </a:r>
-            <a:r>
-              <a:rPr b="0" lang="en-US" sz="4400" spc="-1" strike="noStrike">
-                <a:latin typeface="Arial"/>
-              </a:rPr>
-              <a:t>r</a:t>
-            </a:r>
-            <a:r>
-              <a:rPr b="0" lang="en-US" sz="4400" spc="-1" strike="noStrike">
-                <a:latin typeface="Arial"/>
-              </a:rPr>
-              <a:t>m</a:t>
-            </a:r>
-            <a:r>
-              <a:rPr b="0" lang="en-US" sz="4400" spc="-1" strike="noStrike">
-                <a:latin typeface="Arial"/>
-              </a:rPr>
-              <a:t>a</a:t>
-            </a:r>
-            <a:r>
-              <a:rPr b="0" lang="en-US" sz="4400" spc="-1" strike="noStrike">
-                <a:latin typeface="Arial"/>
-              </a:rPr>
-              <a:t>t</a:t>
+              <a:t>Click to edit the title text format</a:t>
             </a:r>
             <a:endParaRPr b="0" lang="en-US" sz="4400" spc="-1" strike="noStrike">
               <a:latin typeface="Arial"/>
@@ -17213,211 +17088,7 @@
               <a:rPr b="0" lang="en-US" sz="4400" spc="-1" strike="noStrike">
                 <a:latin typeface="Arial"/>
               </a:rPr>
-              <a:t>C</a:t>
-            </a:r>
-            <a:r>
-              <a:rPr b="0" lang="en-US" sz="4400" spc="-1" strike="noStrike">
-                <a:latin typeface="Arial"/>
-              </a:rPr>
-              <a:t>l</a:t>
-            </a:r>
-            <a:r>
-              <a:rPr b="0" lang="en-US" sz="4400" spc="-1" strike="noStrike">
-                <a:latin typeface="Arial"/>
-              </a:rPr>
-              <a:t>i</a:t>
-            </a:r>
-            <a:r>
-              <a:rPr b="0" lang="en-US" sz="4400" spc="-1" strike="noStrike">
-                <a:latin typeface="Arial"/>
-              </a:rPr>
-              <a:t>c</a:t>
-            </a:r>
-            <a:r>
-              <a:rPr b="0" lang="en-US" sz="4400" spc="-1" strike="noStrike">
-                <a:latin typeface="Arial"/>
-              </a:rPr>
-              <a:t>k</a:t>
-            </a:r>
-            <a:r>
-              <a:rPr b="0" lang="en-US" sz="4400" spc="-1" strike="noStrike">
-                <a:latin typeface="Arial"/>
-              </a:rPr>
-              <a:t> </a:t>
-            </a:r>
-            <a:r>
-              <a:rPr b="0" lang="en-US" sz="4400" spc="-1" strike="noStrike">
-                <a:latin typeface="Arial"/>
-              </a:rPr>
-              <a:t>t</a:t>
-            </a:r>
-            <a:r>
-              <a:rPr b="0" lang="en-US" sz="4400" spc="-1" strike="noStrike">
-                <a:latin typeface="Arial"/>
-              </a:rPr>
-              <a:t>o</a:t>
-            </a:r>
-            <a:r>
-              <a:rPr b="0" lang="en-US" sz="4400" spc="-1" strike="noStrike">
-                <a:latin typeface="Arial"/>
-              </a:rPr>
-              <a:t> </a:t>
-            </a:r>
-            <a:r>
-              <a:rPr b="0" lang="en-US" sz="4400" spc="-1" strike="noStrike">
-                <a:latin typeface="Arial"/>
-              </a:rPr>
-              <a:t>e</a:t>
-            </a:r>
-            <a:r>
-              <a:rPr b="0" lang="en-US" sz="4400" spc="-1" strike="noStrike">
-                <a:latin typeface="Arial"/>
-              </a:rPr>
-              <a:t>d</a:t>
-            </a:r>
-            <a:r>
-              <a:rPr b="0" lang="en-US" sz="4400" spc="-1" strike="noStrike">
-                <a:latin typeface="Arial"/>
-              </a:rPr>
-              <a:t>i</a:t>
-            </a:r>
-            <a:r>
-              <a:rPr b="0" lang="en-US" sz="4400" spc="-1" strike="noStrike">
-                <a:latin typeface="Arial"/>
-              </a:rPr>
-              <a:t>t</a:t>
-            </a:r>
-            <a:r>
-              <a:rPr b="0" lang="en-US" sz="4400" spc="-1" strike="noStrike">
-                <a:latin typeface="Arial"/>
-              </a:rPr>
-              <a:t> </a:t>
-            </a:r>
-            <a:r>
-              <a:rPr b="0" lang="en-US" sz="4400" spc="-1" strike="noStrike">
-                <a:latin typeface="Arial"/>
-              </a:rPr>
-              <a:t>t</a:t>
-            </a:r>
-            <a:r>
-              <a:rPr b="0" lang="en-US" sz="4400" spc="-1" strike="noStrike">
-                <a:latin typeface="Arial"/>
-              </a:rPr>
-              <a:t>h</a:t>
-            </a:r>
-            <a:r>
-              <a:rPr b="0" lang="en-US" sz="4400" spc="-1" strike="noStrike">
-                <a:latin typeface="Arial"/>
-              </a:rPr>
-              <a:t>e</a:t>
-            </a:r>
-            <a:r>
-              <a:rPr b="0" lang="en-US" sz="4400" spc="-1" strike="noStrike">
-                <a:latin typeface="Arial"/>
-              </a:rPr>
-              <a:t> </a:t>
-            </a:r>
-            <a:r>
-              <a:rPr b="0" lang="en-US" sz="4400" spc="-1" strike="noStrike">
-                <a:latin typeface="Arial"/>
-              </a:rPr>
-              <a:t>t</a:t>
-            </a:r>
-            <a:r>
-              <a:rPr b="0" lang="en-US" sz="4400" spc="-1" strike="noStrike">
-                <a:latin typeface="Arial"/>
-              </a:rPr>
-              <a:t>i</a:t>
-            </a:r>
-            <a:r>
-              <a:rPr b="0" lang="en-US" sz="4400" spc="-1" strike="noStrike">
-                <a:latin typeface="Arial"/>
-              </a:rPr>
-              <a:t>t</a:t>
-            </a:r>
-            <a:r>
-              <a:rPr b="0" lang="en-US" sz="4400" spc="-1" strike="noStrike">
-                <a:latin typeface="Arial"/>
-              </a:rPr>
-              <a:t>l</a:t>
-            </a:r>
-            <a:r>
-              <a:rPr b="0" lang="en-US" sz="4400" spc="-1" strike="noStrike">
-                <a:latin typeface="Arial"/>
-              </a:rPr>
-              <a:t>e</a:t>
-            </a:r>
-            <a:r>
-              <a:rPr b="0" lang="en-US" sz="4400" spc="-1" strike="noStrike">
-                <a:latin typeface="Arial"/>
-              </a:rPr>
-              <a:t> </a:t>
-            </a:r>
-            <a:r>
-              <a:rPr b="0" lang="en-US" sz="4400" spc="-1" strike="noStrike">
-                <a:latin typeface="Arial"/>
-              </a:rPr>
-              <a:t>t</a:t>
-            </a:r>
-            <a:r>
-              <a:rPr b="0" lang="en-US" sz="4400" spc="-1" strike="noStrike">
-                <a:latin typeface="Arial"/>
-              </a:rPr>
-              <a:t>e</a:t>
-            </a:r>
-            <a:r>
-              <a:rPr b="0" lang="en-US" sz="4400" spc="-1" strike="noStrike">
-                <a:latin typeface="Arial"/>
-              </a:rPr>
-              <a:t>x</a:t>
-            </a:r>
-            <a:r>
-              <a:rPr b="0" lang="en-US" sz="4400" spc="-1" strike="noStrike">
-                <a:latin typeface="Arial"/>
-              </a:rPr>
-              <a:t>t</a:t>
-            </a:r>
-            <a:r>
-              <a:rPr b="0" lang="en-US" sz="4400" spc="-1" strike="noStrike">
-                <a:latin typeface="Arial"/>
-              </a:rPr>
-              <a:t> </a:t>
-            </a:r>
-            <a:r>
-              <a:rPr b="0" lang="en-US" sz="4400" spc="-1" strike="noStrike">
-                <a:latin typeface="Arial"/>
-              </a:rPr>
-              <a:t>f</a:t>
-            </a:r>
-            <a:r>
-              <a:rPr b="0" lang="en-US" sz="4400" spc="-1" strike="noStrike">
-                <a:latin typeface="Arial"/>
-              </a:rPr>
-              <a:t>o</a:t>
-            </a:r>
-            <a:r>
-              <a:rPr b="0" lang="en-US" sz="4400" spc="-1" strike="noStrike">
-                <a:latin typeface="Arial"/>
-              </a:rPr>
-              <a:t>r</a:t>
-            </a:r>
-            <a:r>
-              <a:rPr b="0" lang="en-US" sz="4400" spc="-1" strike="noStrike">
-                <a:latin typeface="Arial"/>
-              </a:rPr>
-              <a:t>m</a:t>
-            </a:r>
-            <a:r>
-              <a:rPr b="0" lang="en-US" sz="4400" spc="-1" strike="noStrike">
-                <a:latin typeface="Arial"/>
-              </a:rPr>
-              <a:t>a</a:t>
-            </a:r>
-            <a:r>
-              <a:rPr b="0" lang="en-US" sz="4400" spc="-1" strike="noStrike">
-                <a:latin typeface="Arial"/>
-              </a:rPr>
-              <a:t>t</a:t>
+              <a:t>Click to edit the title text format</a:t>
             </a:r>
             <a:endParaRPr b="0" lang="en-US" sz="4400" spc="-1" strike="noStrike">
               <a:latin typeface="Arial"/>
@@ -22257,6 +21928,821 @@
           </a:ln>
         </p:spPr>
       </p:pic>
+      <p:pic>
+        <p:nvPicPr>
+          <p:cNvPr id="490" name="" descr=""/>
+          <p:cNvPicPr/>
+          <p:nvPr/>
+        </p:nvPicPr>
+        <p:blipFill>
+          <a:blip r:embed="rId5"/>
+          <a:stretch/>
+        </p:blipFill>
+        <p:spPr>
+          <a:xfrm>
+            <a:off x="2289240" y="1720800"/>
+            <a:ext cx="4571640" cy="3428640"/>
+          </a:xfrm>
+          <a:prstGeom prst="rect">
+            <a:avLst/>
+          </a:prstGeom>
+          <a:ln>
+            <a:noFill/>
+          </a:ln>
+        </p:spPr>
+      </p:pic>
+    </p:spTree>
+  </p:cSld>
+  <mc:AlternateContent>
+    <mc:Choice Requires="p14">
+      <p:transition spd="slow" p14:dur="2000"/>
+    </mc:Choice>
+    <mc:Fallback>
+      <p:transition spd="slow"/>
+    </mc:Fallback>
+  </mc:AlternateContent>
+</p:sld>
+</file>
+
+<file path=ppt/slides/slide7.xml><?xml version="1.0" encoding="utf-8"?>
+<p:sld xmlns:a="http://schemas.openxmlformats.org/drawingml/2006/main" xmlns:p="http://schemas.openxmlformats.org/presentationml/2006/main" xmlns:r="http://schemas.openxmlformats.org/officeDocument/2006/relationships" xmlns:p14="http://schemas.microsoft.com/office/powerpoint/2010/main" xmlns:p15="http://schemas.microsoft.com/office/powerpoint/2012/main" xmlns:mc="http://schemas.openxmlformats.org/markup-compatibility/2006">
+  <p:cSld>
+    <p:spTree>
+      <p:nvGrpSpPr>
+        <p:cNvPr id="1" name=""/>
+        <p:cNvGrpSpPr/>
+        <p:nvPr/>
+      </p:nvGrpSpPr>
+      <p:grpSpPr>
+        <a:xfrm>
+          <a:off x="0" y="0"/>
+          <a:ext cx="0" cy="0"/>
+          <a:chOff x="0" y="0"/>
+          <a:chExt cx="0" cy="0"/>
+        </a:xfrm>
+      </p:grpSpPr>
+      <p:sp>
+        <p:nvSpPr>
+          <p:cNvPr id="491" name="CustomShape 1"/>
+          <p:cNvSpPr/>
+          <p:nvPr/>
+        </p:nvSpPr>
+        <p:spPr>
+          <a:xfrm>
+            <a:off x="548640" y="1280160"/>
+            <a:ext cx="7863840" cy="3474720"/>
+          </a:xfrm>
+          <a:prstGeom prst="rect">
+            <a:avLst/>
+          </a:prstGeom>
+          <a:solidFill>
+            <a:srgbClr val="ffffff"/>
+          </a:solidFill>
+          <a:ln>
+            <a:solidFill>
+              <a:srgbClr val="ffffff"/>
+            </a:solidFill>
+          </a:ln>
+        </p:spPr>
+        <p:style>
+          <a:lnRef idx="0"/>
+          <a:fillRef idx="0"/>
+          <a:effectRef idx="0"/>
+          <a:fontRef idx="minor"/>
+        </p:style>
+      </p:sp>
+      <p:sp>
+        <p:nvSpPr>
+          <p:cNvPr id="492" name="TextShape 2"/>
+          <p:cNvSpPr txBox="1"/>
+          <p:nvPr/>
+        </p:nvSpPr>
+        <p:spPr>
+          <a:xfrm>
+            <a:off x="91440" y="43920"/>
+            <a:ext cx="8229240" cy="687600"/>
+          </a:xfrm>
+          <a:prstGeom prst="rect">
+            <a:avLst/>
+          </a:prstGeom>
+          <a:noFill/>
+          <a:ln>
+            <a:noFill/>
+          </a:ln>
+        </p:spPr>
+        <p:txBody>
+          <a:bodyPr lIns="0" rIns="0" tIns="0" bIns="0" anchor="ctr">
+            <a:noAutofit/>
+          </a:bodyPr>
+          <a:p>
+            <a:r>
+              <a:rPr b="0" lang="en-US" sz="3200" spc="-1" strike="noStrike">
+                <a:solidFill>
+                  <a:srgbClr val="000000"/>
+                </a:solidFill>
+                <a:latin typeface="Arial"/>
+              </a:rPr>
+              <a:t>Life Cycle Diagram</a:t>
+            </a:r>
+            <a:endParaRPr b="0" lang="en-US" sz="3200" spc="-1" strike="noStrike">
+              <a:solidFill>
+                <a:srgbClr val="000000"/>
+              </a:solidFill>
+              <a:latin typeface="Arial"/>
+            </a:endParaRPr>
+          </a:p>
+        </p:txBody>
+      </p:sp>
+      <p:sp>
+        <p:nvSpPr>
+          <p:cNvPr id="493" name="CustomShape 3"/>
+          <p:cNvSpPr/>
+          <p:nvPr/>
+        </p:nvSpPr>
+        <p:spPr>
+          <a:xfrm rot="20227200">
+            <a:off x="1919880" y="2286000"/>
+            <a:ext cx="1645920" cy="640080"/>
+          </a:xfrm>
+          <a:prstGeom prst="rect">
+            <a:avLst/>
+          </a:prstGeom>
+          <a:solidFill>
+            <a:srgbClr val="ffffff"/>
+          </a:solidFill>
+          <a:ln>
+            <a:solidFill>
+              <a:srgbClr val="ffffff"/>
+            </a:solidFill>
+          </a:ln>
+        </p:spPr>
+        <p:style>
+          <a:lnRef idx="0"/>
+          <a:fillRef idx="0"/>
+          <a:effectRef idx="0"/>
+          <a:fontRef idx="minor"/>
+        </p:style>
+      </p:sp>
+      <p:sp>
+        <p:nvSpPr>
+          <p:cNvPr id="494" name="CustomShape 4"/>
+          <p:cNvSpPr/>
+          <p:nvPr/>
+        </p:nvSpPr>
+        <p:spPr>
+          <a:xfrm rot="5074200">
+            <a:off x="1706400" y="3546720"/>
+            <a:ext cx="1645920" cy="640080"/>
+          </a:xfrm>
+          <a:prstGeom prst="rect">
+            <a:avLst/>
+          </a:prstGeom>
+          <a:solidFill>
+            <a:srgbClr val="ffffff"/>
+          </a:solidFill>
+          <a:ln>
+            <a:solidFill>
+              <a:srgbClr val="ffffff"/>
+            </a:solidFill>
+          </a:ln>
+        </p:spPr>
+        <p:style>
+          <a:lnRef idx="0"/>
+          <a:fillRef idx="0"/>
+          <a:effectRef idx="0"/>
+          <a:fontRef idx="minor"/>
+        </p:style>
+      </p:sp>
+      <p:sp>
+        <p:nvSpPr>
+          <p:cNvPr id="495" name="CustomShape 5"/>
+          <p:cNvSpPr/>
+          <p:nvPr/>
+        </p:nvSpPr>
+        <p:spPr>
+          <a:xfrm>
+            <a:off x="640080" y="2377440"/>
+            <a:ext cx="1492920" cy="731520"/>
+          </a:xfrm>
+          <a:custGeom>
+            <a:avLst/>
+            <a:gdLst/>
+            <a:ahLst/>
+            <a:rect l="0" t="0" r="r" b="b"/>
+            <a:pathLst>
+              <a:path w="4149" h="2034">
+                <a:moveTo>
+                  <a:pt x="338" y="0"/>
+                </a:moveTo>
+                <a:lnTo>
+                  <a:pt x="339" y="0"/>
+                </a:lnTo>
+                <a:cubicBezTo>
+                  <a:pt x="279" y="0"/>
+                  <a:pt x="221" y="16"/>
+                  <a:pt x="169" y="45"/>
+                </a:cubicBezTo>
+                <a:cubicBezTo>
+                  <a:pt x="118" y="75"/>
+                  <a:pt x="75" y="118"/>
+                  <a:pt x="45" y="169"/>
+                </a:cubicBezTo>
+                <a:cubicBezTo>
+                  <a:pt x="16" y="221"/>
+                  <a:pt x="0" y="279"/>
+                  <a:pt x="0" y="339"/>
+                </a:cubicBezTo>
+                <a:lnTo>
+                  <a:pt x="0" y="1694"/>
+                </a:lnTo>
+                <a:lnTo>
+                  <a:pt x="0" y="1694"/>
+                </a:lnTo>
+                <a:cubicBezTo>
+                  <a:pt x="0" y="1754"/>
+                  <a:pt x="16" y="1812"/>
+                  <a:pt x="45" y="1864"/>
+                </a:cubicBezTo>
+                <a:cubicBezTo>
+                  <a:pt x="75" y="1915"/>
+                  <a:pt x="118" y="1958"/>
+                  <a:pt x="169" y="1988"/>
+                </a:cubicBezTo>
+                <a:cubicBezTo>
+                  <a:pt x="221" y="2017"/>
+                  <a:pt x="279" y="2033"/>
+                  <a:pt x="339" y="2033"/>
+                </a:cubicBezTo>
+                <a:lnTo>
+                  <a:pt x="3809" y="2033"/>
+                </a:lnTo>
+                <a:lnTo>
+                  <a:pt x="3809" y="2033"/>
+                </a:lnTo>
+                <a:cubicBezTo>
+                  <a:pt x="3869" y="2033"/>
+                  <a:pt x="3927" y="2017"/>
+                  <a:pt x="3979" y="1988"/>
+                </a:cubicBezTo>
+                <a:cubicBezTo>
+                  <a:pt x="4030" y="1958"/>
+                  <a:pt x="4073" y="1915"/>
+                  <a:pt x="4103" y="1864"/>
+                </a:cubicBezTo>
+                <a:cubicBezTo>
+                  <a:pt x="4132" y="1812"/>
+                  <a:pt x="4148" y="1754"/>
+                  <a:pt x="4148" y="1694"/>
+                </a:cubicBezTo>
+                <a:lnTo>
+                  <a:pt x="4148" y="338"/>
+                </a:lnTo>
+                <a:lnTo>
+                  <a:pt x="4148" y="339"/>
+                </a:lnTo>
+                <a:lnTo>
+                  <a:pt x="4148" y="339"/>
+                </a:lnTo>
+                <a:cubicBezTo>
+                  <a:pt x="4148" y="279"/>
+                  <a:pt x="4132" y="221"/>
+                  <a:pt x="4103" y="169"/>
+                </a:cubicBezTo>
+                <a:cubicBezTo>
+                  <a:pt x="4073" y="118"/>
+                  <a:pt x="4030" y="75"/>
+                  <a:pt x="3979" y="45"/>
+                </a:cubicBezTo>
+                <a:cubicBezTo>
+                  <a:pt x="3927" y="16"/>
+                  <a:pt x="3869" y="0"/>
+                  <a:pt x="3809" y="0"/>
+                </a:cubicBezTo>
+                <a:lnTo>
+                  <a:pt x="338" y="0"/>
+                </a:lnTo>
+              </a:path>
+            </a:pathLst>
+          </a:custGeom>
+          <a:solidFill>
+            <a:srgbClr val="729fcf"/>
+          </a:solidFill>
+          <a:ln>
+            <a:solidFill>
+              <a:srgbClr val="3465a4"/>
+            </a:solidFill>
+          </a:ln>
+        </p:spPr>
+        <p:style>
+          <a:lnRef idx="0"/>
+          <a:fillRef idx="0"/>
+          <a:effectRef idx="0"/>
+          <a:fontRef idx="minor"/>
+        </p:style>
+        <p:txBody>
+          <a:bodyPr wrap="none" lIns="90000" rIns="90000" tIns="45000" bIns="45000" anchor="ctr">
+            <a:noAutofit/>
+          </a:bodyPr>
+          <a:p>
+            <a:pPr algn="ctr"/>
+            <a:r>
+              <a:rPr b="0" lang="en-US" sz="1800" spc="-1" strike="noStrike">
+                <a:latin typeface="Arial"/>
+              </a:rPr>
+              <a:t>C</a:t>
+            </a:r>
+            <a:r>
+              <a:rPr b="0" lang="en-US" sz="1800" spc="-1" strike="noStrike">
+                <a:latin typeface="Arial"/>
+              </a:rPr>
+              <a:t>a</a:t>
+            </a:r>
+            <a:r>
+              <a:rPr b="0" lang="en-US" sz="1800" spc="-1" strike="noStrike">
+                <a:latin typeface="Arial"/>
+              </a:rPr>
+              <a:t>l</a:t>
+            </a:r>
+            <a:r>
+              <a:rPr b="0" lang="en-US" sz="1800" spc="-1" strike="noStrike">
+                <a:latin typeface="Arial"/>
+              </a:rPr>
+              <a:t>v</a:t>
+            </a:r>
+            <a:r>
+              <a:rPr b="0" lang="en-US" sz="1800" spc="-1" strike="noStrike">
+                <a:latin typeface="Arial"/>
+              </a:rPr>
+              <a:t>e</a:t>
+            </a:r>
+            <a:r>
+              <a:rPr b="0" lang="en-US" sz="1800" spc="-1" strike="noStrike">
+                <a:latin typeface="Arial"/>
+              </a:rPr>
+              <a:t>s</a:t>
+            </a:r>
+            <a:endParaRPr b="0" lang="en-US" sz="1800" spc="-1" strike="noStrike">
+              <a:latin typeface="Arial"/>
+            </a:endParaRPr>
+          </a:p>
+          <a:p>
+            <a:pPr algn="ctr"/>
+            <a:endParaRPr b="0" lang="en-US" sz="1800" spc="-1" strike="noStrike">
+              <a:latin typeface="Arial"/>
+            </a:endParaRPr>
+          </a:p>
+        </p:txBody>
+      </p:sp>
+      <p:sp>
+        <p:nvSpPr>
+          <p:cNvPr id="496" name="CustomShape 6"/>
+          <p:cNvSpPr/>
+          <p:nvPr/>
+        </p:nvSpPr>
+        <p:spPr>
+          <a:xfrm>
+            <a:off x="2804760" y="2377440"/>
+            <a:ext cx="1492920" cy="731520"/>
+          </a:xfrm>
+          <a:custGeom>
+            <a:avLst/>
+            <a:gdLst/>
+            <a:ahLst/>
+            <a:rect l="0" t="0" r="r" b="b"/>
+            <a:pathLst>
+              <a:path w="4149" h="2034">
+                <a:moveTo>
+                  <a:pt x="338" y="0"/>
+                </a:moveTo>
+                <a:lnTo>
+                  <a:pt x="339" y="0"/>
+                </a:lnTo>
+                <a:cubicBezTo>
+                  <a:pt x="279" y="0"/>
+                  <a:pt x="221" y="16"/>
+                  <a:pt x="169" y="45"/>
+                </a:cubicBezTo>
+                <a:cubicBezTo>
+                  <a:pt x="118" y="75"/>
+                  <a:pt x="75" y="118"/>
+                  <a:pt x="45" y="169"/>
+                </a:cubicBezTo>
+                <a:cubicBezTo>
+                  <a:pt x="16" y="221"/>
+                  <a:pt x="0" y="279"/>
+                  <a:pt x="0" y="339"/>
+                </a:cubicBezTo>
+                <a:lnTo>
+                  <a:pt x="0" y="1694"/>
+                </a:lnTo>
+                <a:lnTo>
+                  <a:pt x="0" y="1694"/>
+                </a:lnTo>
+                <a:cubicBezTo>
+                  <a:pt x="0" y="1754"/>
+                  <a:pt x="16" y="1812"/>
+                  <a:pt x="45" y="1864"/>
+                </a:cubicBezTo>
+                <a:cubicBezTo>
+                  <a:pt x="75" y="1915"/>
+                  <a:pt x="118" y="1958"/>
+                  <a:pt x="169" y="1988"/>
+                </a:cubicBezTo>
+                <a:cubicBezTo>
+                  <a:pt x="221" y="2017"/>
+                  <a:pt x="279" y="2033"/>
+                  <a:pt x="339" y="2033"/>
+                </a:cubicBezTo>
+                <a:lnTo>
+                  <a:pt x="3809" y="2033"/>
+                </a:lnTo>
+                <a:lnTo>
+                  <a:pt x="3809" y="2033"/>
+                </a:lnTo>
+                <a:cubicBezTo>
+                  <a:pt x="3869" y="2033"/>
+                  <a:pt x="3927" y="2017"/>
+                  <a:pt x="3979" y="1988"/>
+                </a:cubicBezTo>
+                <a:cubicBezTo>
+                  <a:pt x="4030" y="1958"/>
+                  <a:pt x="4073" y="1915"/>
+                  <a:pt x="4103" y="1864"/>
+                </a:cubicBezTo>
+                <a:cubicBezTo>
+                  <a:pt x="4132" y="1812"/>
+                  <a:pt x="4148" y="1754"/>
+                  <a:pt x="4148" y="1694"/>
+                </a:cubicBezTo>
+                <a:lnTo>
+                  <a:pt x="4148" y="338"/>
+                </a:lnTo>
+                <a:lnTo>
+                  <a:pt x="4148" y="339"/>
+                </a:lnTo>
+                <a:lnTo>
+                  <a:pt x="4148" y="339"/>
+                </a:lnTo>
+                <a:cubicBezTo>
+                  <a:pt x="4148" y="279"/>
+                  <a:pt x="4132" y="221"/>
+                  <a:pt x="4103" y="169"/>
+                </a:cubicBezTo>
+                <a:cubicBezTo>
+                  <a:pt x="4073" y="118"/>
+                  <a:pt x="4030" y="75"/>
+                  <a:pt x="3979" y="45"/>
+                </a:cubicBezTo>
+                <a:cubicBezTo>
+                  <a:pt x="3927" y="16"/>
+                  <a:pt x="3869" y="0"/>
+                  <a:pt x="3809" y="0"/>
+                </a:cubicBezTo>
+                <a:lnTo>
+                  <a:pt x="338" y="0"/>
+                </a:lnTo>
+              </a:path>
+            </a:pathLst>
+          </a:custGeom>
+          <a:solidFill>
+            <a:srgbClr val="729fcf"/>
+          </a:solidFill>
+          <a:ln>
+            <a:solidFill>
+              <a:srgbClr val="3465a4"/>
+            </a:solidFill>
+          </a:ln>
+        </p:spPr>
+        <p:style>
+          <a:lnRef idx="0"/>
+          <a:fillRef idx="0"/>
+          <a:effectRef idx="0"/>
+          <a:fontRef idx="minor"/>
+        </p:style>
+        <p:txBody>
+          <a:bodyPr wrap="none" lIns="90000" rIns="90000" tIns="45000" bIns="45000" anchor="ctr">
+            <a:noAutofit/>
+          </a:bodyPr>
+          <a:p>
+            <a:pPr algn="ctr"/>
+            <a:r>
+              <a:rPr b="0" lang="en-US" sz="1800" spc="-1" strike="noStrike">
+                <a:latin typeface="Arial"/>
+              </a:rPr>
+              <a:t>Immature</a:t>
+            </a:r>
+            <a:endParaRPr b="0" lang="en-US" sz="1800" spc="-1" strike="noStrike">
+              <a:latin typeface="Arial"/>
+            </a:endParaRPr>
+          </a:p>
+          <a:p>
+            <a:pPr algn="ctr"/>
+            <a:endParaRPr b="0" lang="en-US" sz="1800" spc="-1" strike="noStrike">
+              <a:latin typeface="Arial"/>
+            </a:endParaRPr>
+          </a:p>
+        </p:txBody>
+      </p:sp>
+      <p:sp>
+        <p:nvSpPr>
+          <p:cNvPr id="497" name="CustomShape 7"/>
+          <p:cNvSpPr/>
+          <p:nvPr/>
+        </p:nvSpPr>
+        <p:spPr>
+          <a:xfrm>
+            <a:off x="4937760" y="2361600"/>
+            <a:ext cx="1492920" cy="731520"/>
+          </a:xfrm>
+          <a:custGeom>
+            <a:avLst/>
+            <a:gdLst/>
+            <a:ahLst/>
+            <a:rect l="0" t="0" r="r" b="b"/>
+            <a:pathLst>
+              <a:path w="4149" h="2034">
+                <a:moveTo>
+                  <a:pt x="338" y="0"/>
+                </a:moveTo>
+                <a:lnTo>
+                  <a:pt x="339" y="0"/>
+                </a:lnTo>
+                <a:cubicBezTo>
+                  <a:pt x="279" y="0"/>
+                  <a:pt x="221" y="16"/>
+                  <a:pt x="169" y="45"/>
+                </a:cubicBezTo>
+                <a:cubicBezTo>
+                  <a:pt x="118" y="75"/>
+                  <a:pt x="75" y="118"/>
+                  <a:pt x="45" y="169"/>
+                </a:cubicBezTo>
+                <a:cubicBezTo>
+                  <a:pt x="16" y="221"/>
+                  <a:pt x="0" y="279"/>
+                  <a:pt x="0" y="339"/>
+                </a:cubicBezTo>
+                <a:lnTo>
+                  <a:pt x="0" y="1694"/>
+                </a:lnTo>
+                <a:lnTo>
+                  <a:pt x="0" y="1694"/>
+                </a:lnTo>
+                <a:cubicBezTo>
+                  <a:pt x="0" y="1754"/>
+                  <a:pt x="16" y="1812"/>
+                  <a:pt x="45" y="1864"/>
+                </a:cubicBezTo>
+                <a:cubicBezTo>
+                  <a:pt x="75" y="1915"/>
+                  <a:pt x="118" y="1958"/>
+                  <a:pt x="169" y="1988"/>
+                </a:cubicBezTo>
+                <a:cubicBezTo>
+                  <a:pt x="221" y="2017"/>
+                  <a:pt x="279" y="2033"/>
+                  <a:pt x="339" y="2033"/>
+                </a:cubicBezTo>
+                <a:lnTo>
+                  <a:pt x="3809" y="2033"/>
+                </a:lnTo>
+                <a:lnTo>
+                  <a:pt x="3809" y="2033"/>
+                </a:lnTo>
+                <a:cubicBezTo>
+                  <a:pt x="3869" y="2033"/>
+                  <a:pt x="3927" y="2017"/>
+                  <a:pt x="3979" y="1988"/>
+                </a:cubicBezTo>
+                <a:cubicBezTo>
+                  <a:pt x="4030" y="1958"/>
+                  <a:pt x="4073" y="1915"/>
+                  <a:pt x="4103" y="1864"/>
+                </a:cubicBezTo>
+                <a:cubicBezTo>
+                  <a:pt x="4132" y="1812"/>
+                  <a:pt x="4148" y="1754"/>
+                  <a:pt x="4148" y="1694"/>
+                </a:cubicBezTo>
+                <a:lnTo>
+                  <a:pt x="4148" y="338"/>
+                </a:lnTo>
+                <a:lnTo>
+                  <a:pt x="4148" y="339"/>
+                </a:lnTo>
+                <a:lnTo>
+                  <a:pt x="4148" y="339"/>
+                </a:lnTo>
+                <a:cubicBezTo>
+                  <a:pt x="4148" y="279"/>
+                  <a:pt x="4132" y="221"/>
+                  <a:pt x="4103" y="169"/>
+                </a:cubicBezTo>
+                <a:cubicBezTo>
+                  <a:pt x="4073" y="118"/>
+                  <a:pt x="4030" y="75"/>
+                  <a:pt x="3979" y="45"/>
+                </a:cubicBezTo>
+                <a:cubicBezTo>
+                  <a:pt x="3927" y="16"/>
+                  <a:pt x="3869" y="0"/>
+                  <a:pt x="3809" y="0"/>
+                </a:cubicBezTo>
+                <a:lnTo>
+                  <a:pt x="338" y="0"/>
+                </a:lnTo>
+              </a:path>
+            </a:pathLst>
+          </a:custGeom>
+          <a:solidFill>
+            <a:srgbClr val="729fcf"/>
+          </a:solidFill>
+          <a:ln>
+            <a:solidFill>
+              <a:srgbClr val="3465a4"/>
+            </a:solidFill>
+          </a:ln>
+        </p:spPr>
+        <p:style>
+          <a:lnRef idx="0"/>
+          <a:fillRef idx="0"/>
+          <a:effectRef idx="0"/>
+          <a:fontRef idx="minor"/>
+        </p:style>
+        <p:txBody>
+          <a:bodyPr wrap="none" lIns="90000" rIns="90000" tIns="45000" bIns="45000" anchor="ctr">
+            <a:noAutofit/>
+          </a:bodyPr>
+          <a:p>
+            <a:pPr algn="ctr"/>
+            <a:r>
+              <a:rPr b="0" lang="en-US" sz="1800" spc="-1" strike="noStrike">
+                <a:latin typeface="Arial"/>
+              </a:rPr>
+              <a:t>Mature</a:t>
+            </a:r>
+            <a:endParaRPr b="0" lang="en-US" sz="1800" spc="-1" strike="noStrike">
+              <a:latin typeface="Arial"/>
+            </a:endParaRPr>
+          </a:p>
+          <a:p>
+            <a:pPr algn="ctr"/>
+            <a:endParaRPr b="0" lang="en-US" sz="1800" spc="-1" strike="noStrike">
+              <a:latin typeface="Arial"/>
+            </a:endParaRPr>
+          </a:p>
+        </p:txBody>
+      </p:sp>
+      <p:sp>
+        <p:nvSpPr>
+          <p:cNvPr id="498" name="CustomShape 8"/>
+          <p:cNvSpPr/>
+          <p:nvPr/>
+        </p:nvSpPr>
+        <p:spPr>
+          <a:xfrm>
+            <a:off x="7102440" y="2377440"/>
+            <a:ext cx="1492920" cy="731520"/>
+          </a:xfrm>
+          <a:custGeom>
+            <a:avLst/>
+            <a:gdLst/>
+            <a:ahLst/>
+            <a:rect l="0" t="0" r="r" b="b"/>
+            <a:pathLst>
+              <a:path w="4149" h="2034">
+                <a:moveTo>
+                  <a:pt x="338" y="0"/>
+                </a:moveTo>
+                <a:lnTo>
+                  <a:pt x="339" y="0"/>
+                </a:lnTo>
+                <a:cubicBezTo>
+                  <a:pt x="279" y="0"/>
+                  <a:pt x="221" y="16"/>
+                  <a:pt x="169" y="45"/>
+                </a:cubicBezTo>
+                <a:cubicBezTo>
+                  <a:pt x="118" y="75"/>
+                  <a:pt x="75" y="118"/>
+                  <a:pt x="45" y="169"/>
+                </a:cubicBezTo>
+                <a:cubicBezTo>
+                  <a:pt x="16" y="221"/>
+                  <a:pt x="0" y="279"/>
+                  <a:pt x="0" y="339"/>
+                </a:cubicBezTo>
+                <a:lnTo>
+                  <a:pt x="0" y="1694"/>
+                </a:lnTo>
+                <a:lnTo>
+                  <a:pt x="0" y="1694"/>
+                </a:lnTo>
+                <a:cubicBezTo>
+                  <a:pt x="0" y="1754"/>
+                  <a:pt x="16" y="1812"/>
+                  <a:pt x="45" y="1864"/>
+                </a:cubicBezTo>
+                <a:cubicBezTo>
+                  <a:pt x="75" y="1915"/>
+                  <a:pt x="118" y="1958"/>
+                  <a:pt x="169" y="1988"/>
+                </a:cubicBezTo>
+                <a:cubicBezTo>
+                  <a:pt x="221" y="2017"/>
+                  <a:pt x="279" y="2033"/>
+                  <a:pt x="339" y="2033"/>
+                </a:cubicBezTo>
+                <a:lnTo>
+                  <a:pt x="3809" y="2033"/>
+                </a:lnTo>
+                <a:lnTo>
+                  <a:pt x="3809" y="2033"/>
+                </a:lnTo>
+                <a:cubicBezTo>
+                  <a:pt x="3869" y="2033"/>
+                  <a:pt x="3927" y="2017"/>
+                  <a:pt x="3979" y="1988"/>
+                </a:cubicBezTo>
+                <a:cubicBezTo>
+                  <a:pt x="4030" y="1958"/>
+                  <a:pt x="4073" y="1915"/>
+                  <a:pt x="4103" y="1864"/>
+                </a:cubicBezTo>
+                <a:cubicBezTo>
+                  <a:pt x="4132" y="1812"/>
+                  <a:pt x="4148" y="1754"/>
+                  <a:pt x="4148" y="1694"/>
+                </a:cubicBezTo>
+                <a:lnTo>
+                  <a:pt x="4148" y="338"/>
+                </a:lnTo>
+                <a:lnTo>
+                  <a:pt x="4148" y="339"/>
+                </a:lnTo>
+                <a:lnTo>
+                  <a:pt x="4148" y="339"/>
+                </a:lnTo>
+                <a:cubicBezTo>
+                  <a:pt x="4148" y="279"/>
+                  <a:pt x="4132" y="221"/>
+                  <a:pt x="4103" y="169"/>
+                </a:cubicBezTo>
+                <a:cubicBezTo>
+                  <a:pt x="4073" y="118"/>
+                  <a:pt x="4030" y="75"/>
+                  <a:pt x="3979" y="45"/>
+                </a:cubicBezTo>
+                <a:cubicBezTo>
+                  <a:pt x="3927" y="16"/>
+                  <a:pt x="3869" y="0"/>
+                  <a:pt x="3809" y="0"/>
+                </a:cubicBezTo>
+                <a:lnTo>
+                  <a:pt x="338" y="0"/>
+                </a:lnTo>
+              </a:path>
+            </a:pathLst>
+          </a:custGeom>
+          <a:solidFill>
+            <a:srgbClr val="729fcf"/>
+          </a:solidFill>
+          <a:ln>
+            <a:solidFill>
+              <a:srgbClr val="3465a4"/>
+            </a:solidFill>
+          </a:ln>
+        </p:spPr>
+        <p:style>
+          <a:lnRef idx="0"/>
+          <a:fillRef idx="0"/>
+          <a:effectRef idx="0"/>
+          <a:fontRef idx="minor"/>
+        </p:style>
+        <p:txBody>
+          <a:bodyPr wrap="none" lIns="90000" rIns="90000" tIns="45000" bIns="45000" anchor="ctr">
+            <a:noAutofit/>
+          </a:bodyPr>
+          <a:p>
+            <a:pPr algn="ctr"/>
+            <a:r>
+              <a:rPr b="0" lang="en-US" sz="1800" spc="-1" strike="noStrike">
+                <a:latin typeface="Arial"/>
+              </a:rPr>
+              <a:t>Reproductive</a:t>
+            </a:r>
+            <a:endParaRPr b="0" lang="en-US" sz="1800" spc="-1" strike="noStrike">
+              <a:latin typeface="Arial"/>
+            </a:endParaRPr>
+          </a:p>
+          <a:p>
+            <a:pPr algn="ctr"/>
+            <a:endParaRPr b="0" lang="en-US" sz="1800" spc="-1" strike="noStrike">
+              <a:latin typeface="Arial"/>
+            </a:endParaRPr>
+          </a:p>
+        </p:txBody>
+      </p:sp>
     </p:spTree>
   </p:cSld>
   <mc:AlternateContent>
